--- a/09-Data-Structures.pptx
+++ b/09-Data-Structures.pptx
@@ -6978,6 +6978,16 @@
               <a:buChar char="§"/>
             </a:pPr>
             <a:r>
+              <a:rPr lang="en-US" smtClean="0">
+                <a:solidFill>
+                  <a:schemeClr val="bg1">
+                    <a:lumMod val="95000"/>
+                  </a:schemeClr>
+                </a:solidFill>
+              </a:rPr>
+              <a:t>equals(Object </a:t>
+            </a:r>
+            <a:r>
               <a:rPr lang="en-US" dirty="0" smtClean="0">
                 <a:solidFill>
                   <a:schemeClr val="bg1">
@@ -6985,7 +6995,7 @@
                   </a:schemeClr>
                 </a:solidFill>
               </a:rPr>
-              <a:t>Equals(Object o)</a:t>
+              <a:t>o)</a:t>
             </a:r>
             <a:endParaRPr lang="ru-RU" dirty="0" smtClean="0">
               <a:solidFill>
@@ -7224,15 +7234,7 @@
                   <a:schemeClr val="accent6"/>
                 </a:solidFill>
               </a:rPr>
-              <a:t>Пример: </a:t>
-            </a:r>
-            <a:r>
-              <a:rPr lang="bg-BG" sz="3000" dirty="0" smtClean="0">
-                <a:solidFill>
-                  <a:schemeClr val="accent6"/>
-                </a:solidFill>
-              </a:rPr>
-              <a:t>Е06</a:t>
+              <a:t>Пример: Е06</a:t>
             </a:r>
             <a:endParaRPr lang="en-US" sz="3000" dirty="0" smtClean="0">
               <a:solidFill>
@@ -7573,17 +7575,7 @@
                   </a:schemeClr>
                 </a:solidFill>
               </a:rPr>
-              <a:t>Напишете </a:t>
-            </a:r>
-            <a:r>
-              <a:rPr lang="ru-RU" sz="2400" dirty="0" smtClean="0">
-                <a:solidFill>
-                  <a:schemeClr val="bg1">
-                    <a:lumMod val="95000"/>
-                  </a:schemeClr>
-                </a:solidFill>
-              </a:rPr>
-              <a:t>програма</a:t>
+              <a:t>Напишете програма</a:t>
             </a:r>
             <a:r>
               <a:rPr lang="ru-RU" sz="2400" dirty="0">
@@ -7645,17 +7637,7 @@
                   </a:schemeClr>
                 </a:solidFill>
               </a:rPr>
-              <a:t>Напишете </a:t>
-            </a:r>
-            <a:r>
-              <a:rPr lang="ru-RU" sz="2400" dirty="0" smtClean="0">
-                <a:solidFill>
-                  <a:schemeClr val="bg1">
-                    <a:lumMod val="95000"/>
-                  </a:schemeClr>
-                </a:solidFill>
-              </a:rPr>
-              <a:t>програма</a:t>
+              <a:t>Напишете програма</a:t>
             </a:r>
             <a:r>
               <a:rPr lang="ru-RU" sz="2400" dirty="0">
@@ -11257,16 +11239,6 @@
               <a:t>people.remove</a:t>
             </a:r>
             <a:r>
-              <a:rPr lang="en-US" sz="2400" smtClean="0">
-                <a:solidFill>
-                  <a:schemeClr val="bg1">
-                    <a:lumMod val="95000"/>
-                  </a:schemeClr>
-                </a:solidFill>
-              </a:rPr>
-              <a:t>("Ivan</a:t>
-            </a:r>
-            <a:r>
               <a:rPr lang="en-US" sz="2400" dirty="0" smtClean="0">
                 <a:solidFill>
                   <a:schemeClr val="bg1">
@@ -11274,7 +11246,7 @@
                   </a:schemeClr>
                 </a:solidFill>
               </a:rPr>
-              <a:t>");</a:t>
+              <a:t>("Ivan");</a:t>
             </a:r>
           </a:p>
           <a:p>
